--- a/my doc/files/ppt/2010-09-30_WeeklyReport.pptx
+++ b/my doc/files/ppt/2010-09-30_WeeklyReport.pptx
@@ -14,8 +14,8 @@
     <p:sldId id="283" r:id="rId5"/>
     <p:sldId id="287" r:id="rId6"/>
     <p:sldId id="288" r:id="rId7"/>
-    <p:sldId id="285" r:id="rId8"/>
-    <p:sldId id="286" r:id="rId9"/>
+    <p:sldId id="289" r:id="rId8"/>
+    <p:sldId id="285" r:id="rId9"/>
     <p:sldId id="284" r:id="rId10"/>
     <p:sldId id="259" r:id="rId11"/>
   </p:sldIdLst>
@@ -9244,13 +9244,8 @@
             </a:pPr>
             <a:r>
               <a:rPr kumimoji="0" lang="en-US" altLang="zh-TW" sz="1200" dirty="0" smtClean="0"/>
-              <a:t>AUO 11307 Platform			</a:t>
-            </a:r>
-            <a:r>
-              <a:rPr kumimoji="0" lang="en-US" altLang="zh-TW" sz="1200" dirty="0" smtClean="0"/>
-              <a:t> </a:t>
-            </a:r>
-            <a:endParaRPr kumimoji="0" lang="en-US" altLang="zh-TW" sz="1200" dirty="0" smtClean="0"/>
+              <a:t>AUO 11307 Platform			 </a:t>
+            </a:r>
           </a:p>
           <a:p>
             <a:pPr marL="781050" lvl="1" indent="-381000">
@@ -9261,13 +9256,8 @@
             </a:pPr>
             <a:r>
               <a:rPr kumimoji="0" lang="en-US" altLang="zh-TW" sz="1200" dirty="0" smtClean="0"/>
-              <a:t>Auto Adjust Color Database			</a:t>
-            </a:r>
-            <a:r>
-              <a:rPr kumimoji="0" lang="en-US" altLang="zh-TW" sz="1200" dirty="0" smtClean="0"/>
-              <a:t> </a:t>
-            </a:r>
-            <a:endParaRPr kumimoji="0" lang="en-US" altLang="zh-TW" sz="1200" dirty="0" smtClean="0"/>
+              <a:t>Auto Adjust Color Database			 </a:t>
+            </a:r>
           </a:p>
           <a:p>
             <a:pPr marL="762000" lvl="1" indent="-304800">
@@ -9286,13 +9276,8 @@
             </a:r>
             <a:r>
               <a:rPr kumimoji="0" lang="en-US" altLang="zh-TW" sz="1200" dirty="0" smtClean="0"/>
-              <a:t>Target White	</a:t>
-            </a:r>
-            <a:r>
-              <a:rPr kumimoji="0" lang="en-US" altLang="zh-TW" sz="1200" dirty="0" smtClean="0"/>
-              <a:t> </a:t>
-            </a:r>
-            <a:endParaRPr kumimoji="0" lang="en-US" altLang="zh-TW" sz="1200" dirty="0" smtClean="0"/>
+              <a:t>Target White	 </a:t>
+            </a:r>
           </a:p>
           <a:p>
             <a:pPr marL="1162050" lvl="2" indent="-304800">
@@ -9395,11 +9380,51 @@
           <a:lstStyle/>
           <a:p>
             <a:r>
-              <a:rPr lang="en-US" altLang="zh-TW" b="1" dirty="0"/>
+              <a:rPr lang="en-US" altLang="zh-TW" dirty="0"/>
               <a:t>Forms and Controls</a:t>
             </a:r>
           </a:p>
           <a:p>
+            <a:pPr lvl="1"/>
+            <a:r>
+              <a:rPr lang="zh-TW" altLang="en-US" dirty="0"/>
+              <a:t>一個簡單而熟悉的架</a:t>
+            </a:r>
+            <a:r>
+              <a:rPr lang="zh-TW" altLang="en-US" dirty="0" smtClean="0"/>
+              <a:t>構</a:t>
+            </a:r>
+            <a:r>
+              <a:rPr lang="en-US" altLang="zh-TW" dirty="0" smtClean="0"/>
+              <a:t>, </a:t>
+            </a:r>
+            <a:r>
+              <a:rPr lang="zh-TW" altLang="en-US" dirty="0" smtClean="0"/>
+              <a:t>並</a:t>
+            </a:r>
+            <a:r>
+              <a:rPr lang="zh-TW" altLang="en-US" dirty="0"/>
+              <a:t>沒有一個通用的名</a:t>
+            </a:r>
+            <a:r>
+              <a:rPr lang="zh-TW" altLang="en-US" dirty="0" smtClean="0"/>
+              <a:t>字</a:t>
+            </a:r>
+            <a:r>
+              <a:rPr lang="en-US" altLang="zh-TW" dirty="0" smtClean="0"/>
+              <a:t>, </a:t>
+            </a:r>
+            <a:r>
+              <a:rPr lang="zh-TW" altLang="en-US" dirty="0" smtClean="0"/>
+              <a:t>在此暫且稱為</a:t>
+            </a:r>
+            <a:r>
+              <a:rPr lang="en-US" altLang="zh-TW" dirty="0"/>
+              <a:t>Forms and Controls</a:t>
+            </a:r>
+          </a:p>
+          <a:p>
+            <a:pPr lvl="1"/>
             <a:endParaRPr lang="zh-TW" altLang="en-US" dirty="0"/>
           </a:p>
         </p:txBody>
@@ -9472,11 +9497,9 @@
           <a:lstStyle/>
           <a:p>
             <a:r>
-              <a:rPr lang="en-US" altLang="zh-TW" b="1" dirty="0"/>
-              <a:t>Forms and Controls</a:t>
-            </a:r>
-          </a:p>
-          <a:p>
+              <a:rPr lang="en-US" altLang="zh-TW" dirty="0"/>
+              <a:t>Model View Controller</a:t>
+            </a:r>
             <a:endParaRPr lang="zh-TW" altLang="en-US" dirty="0"/>
           </a:p>
         </p:txBody>
@@ -9526,9 +9549,846 @@
           <a:bodyPr/>
           <a:lstStyle/>
           <a:p>
-            <a:r>
-              <a:rPr lang="en-US" altLang="zh-TW" dirty="0" err="1" smtClean="0"/>
+            <a:pPr lvl="1"/>
+            <a:r>
+              <a:rPr lang="en-US" altLang="zh-TW" dirty="0"/>
+              <a:t>UI</a:t>
+            </a:r>
+            <a:r>
+              <a:rPr lang="zh-TW" altLang="en-US" dirty="0"/>
+              <a:t>移植</a:t>
+            </a:r>
+            <a:r>
+              <a:rPr lang="en-US" altLang="zh-TW" dirty="0"/>
+              <a:t/>
+            </a:r>
+            <a:br>
+              <a:rPr lang="en-US" altLang="zh-TW" dirty="0"/>
+            </a:br>
+            <a:endParaRPr lang="zh-TW" altLang="en-US" dirty="0"/>
+          </a:p>
+        </p:txBody>
+      </p:sp>
+      <p:sp>
+        <p:nvSpPr>
+          <p:cNvPr id="3" name="Content Placeholder 2"/>
+          <p:cNvSpPr>
+            <a:spLocks noGrp="1"/>
+          </p:cNvSpPr>
+          <p:nvPr>
+            <p:ph idx="1"/>
+          </p:nvPr>
+        </p:nvSpPr>
+        <p:spPr/>
+        <p:txBody>
+          <a:bodyPr/>
+          <a:lstStyle/>
+          <a:p>
+            <a:r>
+              <a:rPr lang="en-US" altLang="zh-TW" dirty="0" smtClean="0"/>
+              <a:t>Purpose</a:t>
+            </a:r>
+          </a:p>
+          <a:p>
+            <a:pPr lvl="1"/>
+            <a:r>
+              <a:rPr lang="zh-TW" altLang="en-US" dirty="0" smtClean="0"/>
+              <a:t>將</a:t>
+            </a:r>
+            <a:r>
+              <a:rPr lang="en-US" altLang="zh-TW" dirty="0" smtClean="0"/>
+              <a:t>Hue</a:t>
+            </a:r>
+            <a:r>
+              <a:rPr lang="zh-TW" altLang="en-US" dirty="0" smtClean="0"/>
+              <a:t>中缺乏的色塊顯示功能</a:t>
+            </a:r>
+            <a:endParaRPr lang="en-US" altLang="zh-TW" dirty="0" smtClean="0"/>
+          </a:p>
+          <a:p>
+            <a:pPr lvl="1"/>
+            <a:r>
+              <a:rPr lang="zh-TW" altLang="en-US" dirty="0" smtClean="0"/>
+              <a:t>將</a:t>
+            </a:r>
+            <a:r>
+              <a:rPr lang="en-US" altLang="zh-TW" dirty="0" smtClean="0"/>
+              <a:t>C3D</a:t>
+            </a:r>
+            <a:r>
+              <a:rPr lang="zh-TW" altLang="en-US" dirty="0" smtClean="0"/>
+              <a:t>中的</a:t>
+            </a:r>
+            <a:r>
+              <a:rPr lang="en-US" altLang="zh-TW" dirty="0" smtClean="0"/>
+              <a:t>UI</a:t>
+            </a:r>
+            <a:r>
+              <a:rPr lang="zh-TW" altLang="en-US" dirty="0" smtClean="0"/>
+              <a:t>移植到</a:t>
+            </a:r>
+            <a:r>
+              <a:rPr lang="en-US" altLang="zh-TW" dirty="0" smtClean="0"/>
+              <a:t>Hue</a:t>
+            </a:r>
+            <a:r>
+              <a:rPr lang="zh-TW" altLang="en-US" dirty="0" smtClean="0"/>
+              <a:t>使用</a:t>
+            </a:r>
+            <a:r>
+              <a:rPr lang="en-US" altLang="zh-TW" dirty="0" smtClean="0"/>
+              <a:t>, </a:t>
+            </a:r>
+            <a:r>
+              <a:rPr lang="zh-TW" altLang="en-US" dirty="0" smtClean="0"/>
+              <a:t>包括</a:t>
+            </a:r>
+            <a:endParaRPr lang="en-US" altLang="zh-TW" dirty="0" smtClean="0"/>
+          </a:p>
+          <a:p>
+            <a:pPr lvl="2"/>
+            <a:r>
+              <a:rPr lang="en-US" altLang="zh-TW" dirty="0" smtClean="0"/>
+              <a:t>Color Picker</a:t>
+            </a:r>
+          </a:p>
+          <a:p>
+            <a:pPr lvl="3"/>
+            <a:r>
+              <a:rPr lang="zh-TW" altLang="en-US" dirty="0" smtClean="0"/>
+              <a:t>色彩選擇</a:t>
+            </a:r>
+            <a:endParaRPr lang="en-US" altLang="zh-TW" dirty="0"/>
+          </a:p>
+          <a:p>
+            <a:pPr lvl="3"/>
+            <a:r>
+              <a:rPr lang="zh-TW" altLang="en-US" dirty="0" smtClean="0"/>
+              <a:t>色彩轉換模擬</a:t>
+            </a:r>
+            <a:endParaRPr lang="en-US" altLang="zh-TW" dirty="0" smtClean="0"/>
+          </a:p>
+          <a:p>
+            <a:pPr lvl="3"/>
+            <a:r>
+              <a:rPr lang="zh-TW" altLang="en-US" dirty="0"/>
+              <a:t>色塊顯示</a:t>
+            </a:r>
+            <a:endParaRPr lang="en-US" altLang="zh-TW" dirty="0" smtClean="0"/>
+          </a:p>
+          <a:p>
+            <a:pPr lvl="2"/>
+            <a:r>
+              <a:rPr lang="en-US" altLang="zh-TW" dirty="0" smtClean="0"/>
+              <a:t>Color Adjust</a:t>
+            </a:r>
+          </a:p>
+          <a:p>
+            <a:pPr lvl="3"/>
+            <a:r>
+              <a:rPr lang="en-US" altLang="zh-TW" dirty="0" smtClean="0"/>
+              <a:t>HSV</a:t>
+            </a:r>
+            <a:r>
+              <a:rPr lang="zh-TW" altLang="en-US" dirty="0" smtClean="0"/>
+              <a:t>調整</a:t>
+            </a:r>
+            <a:endParaRPr lang="en-US" altLang="zh-TW" dirty="0" smtClean="0"/>
+          </a:p>
+          <a:p>
+            <a:r>
+              <a:rPr lang="zh-TW" altLang="en-US" dirty="0"/>
+              <a:t>使用</a:t>
+            </a:r>
+            <a:r>
+              <a:rPr lang="en-US" altLang="zh-TW" dirty="0" err="1"/>
               <a:t>TFrame</a:t>
+            </a:r>
+            <a:endParaRPr lang="en-US" altLang="zh-TW" dirty="0"/>
+          </a:p>
+          <a:p>
+            <a:pPr lvl="1"/>
+            <a:r>
+              <a:rPr lang="zh-TW" altLang="en-US" dirty="0"/>
+              <a:t>節省系統資源</a:t>
+            </a:r>
+            <a:r>
+              <a:rPr lang="en-US" altLang="zh-TW" dirty="0"/>
+              <a:t>, </a:t>
+            </a:r>
+            <a:r>
+              <a:rPr lang="zh-TW" altLang="en-US" dirty="0"/>
+              <a:t>避免重複設計相同</a:t>
+            </a:r>
+            <a:r>
+              <a:rPr lang="en-US" altLang="zh-TW" dirty="0"/>
+              <a:t>UI</a:t>
+            </a:r>
+          </a:p>
+          <a:p>
+            <a:pPr lvl="1"/>
+            <a:r>
+              <a:rPr lang="zh-TW" altLang="en-US" dirty="0"/>
+              <a:t>建立可重複使用的物件，就如同視覺化繼承一個 </a:t>
+            </a:r>
+            <a:r>
+              <a:rPr lang="en-US" altLang="zh-TW" dirty="0" err="1"/>
+              <a:t>TForm</a:t>
+            </a:r>
+            <a:r>
+              <a:rPr lang="en-US" altLang="zh-TW" dirty="0"/>
+              <a:t> </a:t>
+            </a:r>
+            <a:r>
+              <a:rPr lang="zh-TW" altLang="en-US" dirty="0"/>
+              <a:t>一樣。</a:t>
+            </a:r>
+            <a:endParaRPr lang="en-US" altLang="zh-TW" dirty="0"/>
+          </a:p>
+          <a:p>
+            <a:pPr lvl="1"/>
+            <a:r>
+              <a:rPr lang="zh-TW" altLang="en-US" dirty="0"/>
+              <a:t>使</a:t>
+            </a:r>
+            <a:r>
+              <a:rPr lang="en-US" altLang="zh-TW" dirty="0"/>
+              <a:t>C3D</a:t>
+            </a:r>
+            <a:r>
+              <a:rPr lang="zh-TW" altLang="en-US" dirty="0"/>
+              <a:t>與</a:t>
+            </a:r>
+            <a:r>
+              <a:rPr lang="en-US" altLang="zh-TW" dirty="0"/>
+              <a:t>HUE</a:t>
+            </a:r>
+            <a:r>
+              <a:rPr lang="zh-TW" altLang="en-US" dirty="0"/>
+              <a:t>透過</a:t>
+            </a:r>
+            <a:r>
+              <a:rPr lang="en-US" altLang="zh-TW" dirty="0" err="1"/>
+              <a:t>TFrame</a:t>
+            </a:r>
+            <a:r>
+              <a:rPr lang="zh-TW" altLang="en-US" dirty="0"/>
+              <a:t>可共用</a:t>
+            </a:r>
+            <a:r>
+              <a:rPr lang="en-US" altLang="zh-TW" dirty="0"/>
+              <a:t>UI</a:t>
+            </a:r>
+            <a:r>
+              <a:rPr lang="zh-TW" altLang="en-US" dirty="0"/>
+              <a:t>。</a:t>
+            </a:r>
+            <a:endParaRPr lang="en-US" altLang="zh-TW" dirty="0"/>
+          </a:p>
+          <a:p>
+            <a:endParaRPr lang="en-US" altLang="zh-TW" dirty="0" smtClean="0"/>
+          </a:p>
+        </p:txBody>
+      </p:sp>
+      <p:pic>
+        <p:nvPicPr>
+          <p:cNvPr id="1026" name="Picture 2"/>
+          <p:cNvPicPr>
+            <a:picLocks noChangeAspect="1" noChangeArrowheads="1"/>
+          </p:cNvPicPr>
+          <p:nvPr/>
+        </p:nvPicPr>
+        <p:blipFill>
+          <a:blip r:embed="rId2" cstate="print">
+            <a:extLst>
+              <a:ext uri="{28A0092B-C50C-407E-A947-70E740481C1C}">
+                <a14:useLocalDpi xmlns:a14="http://schemas.microsoft.com/office/drawing/2010/main" val="0"/>
+              </a:ext>
+            </a:extLst>
+          </a:blip>
+          <a:srcRect/>
+          <a:stretch>
+            <a:fillRect/>
+          </a:stretch>
+        </p:blipFill>
+        <p:spPr bwMode="auto">
+          <a:xfrm>
+            <a:off x="5739119" y="980728"/>
+            <a:ext cx="3290786" cy="2876038"/>
+          </a:xfrm>
+          <a:prstGeom prst="rect">
+            <a:avLst/>
+          </a:prstGeom>
+          <a:noFill/>
+          <a:ln>
+            <a:noFill/>
+          </a:ln>
+          <a:effectLst/>
+          <a:extLst>
+            <a:ext uri="{909E8E84-426E-40DD-AFC4-6F175D3DCCD1}">
+              <a14:hiddenFill xmlns:a14="http://schemas.microsoft.com/office/drawing/2010/main">
+                <a:solidFill>
+                  <a:schemeClr val="accent1"/>
+                </a:solidFill>
+              </a14:hiddenFill>
+            </a:ext>
+            <a:ext uri="{91240B29-F687-4F45-9708-019B960494DF}">
+              <a14:hiddenLine xmlns:a14="http://schemas.microsoft.com/office/drawing/2010/main" w="9525">
+                <a:solidFill>
+                  <a:schemeClr val="tx1"/>
+                </a:solidFill>
+                <a:miter lim="800000"/>
+                <a:headEnd/>
+                <a:tailEnd/>
+              </a14:hiddenLine>
+            </a:ext>
+            <a:ext uri="{AF507438-7753-43E0-B8FC-AC1667EBCBE1}">
+              <a14:hiddenEffects xmlns:a14="http://schemas.microsoft.com/office/drawing/2010/main">
+                <a:effectLst>
+                  <a:outerShdw dist="35921" dir="2700000" algn="ctr" rotWithShape="0">
+                    <a:schemeClr val="bg2"/>
+                  </a:outerShdw>
+                </a:effectLst>
+              </a14:hiddenEffects>
+            </a:ext>
+          </a:extLst>
+        </p:spPr>
+      </p:pic>
+      <p:sp>
+        <p:nvSpPr>
+          <p:cNvPr id="4" name="Rounded Rectangle 3"/>
+          <p:cNvSpPr/>
+          <p:nvPr/>
+        </p:nvSpPr>
+        <p:spPr>
+          <a:xfrm>
+            <a:off x="5718262" y="1136573"/>
+            <a:ext cx="1906068" cy="1442011"/>
+          </a:xfrm>
+          <a:prstGeom prst="roundRect">
+            <a:avLst/>
+          </a:prstGeom>
+          <a:noFill/>
+          <a:ln w="38100">
+            <a:solidFill>
+              <a:srgbClr xmlns:mc="http://schemas.openxmlformats.org/markup-compatibility/2006" xmlns:a14="http://schemas.microsoft.com/office/drawing/2010/main" val="FF0000" mc:Ignorable=""/>
+            </a:solidFill>
+          </a:ln>
+        </p:spPr>
+        <p:style>
+          <a:lnRef idx="2">
+            <a:schemeClr val="accent1">
+              <a:shade val="50000"/>
+            </a:schemeClr>
+          </a:lnRef>
+          <a:fillRef idx="1">
+            <a:schemeClr val="accent1"/>
+          </a:fillRef>
+          <a:effectRef idx="0">
+            <a:schemeClr val="accent1"/>
+          </a:effectRef>
+          <a:fontRef idx="minor">
+            <a:schemeClr val="lt1"/>
+          </a:fontRef>
+        </p:style>
+        <p:txBody>
+          <a:bodyPr rtlCol="0" anchor="ctr"/>
+          <a:lstStyle/>
+          <a:p>
+            <a:pPr algn="ctr"/>
+            <a:endParaRPr lang="zh-TW" altLang="en-US"/>
+          </a:p>
+        </p:txBody>
+      </p:sp>
+      <p:sp>
+        <p:nvSpPr>
+          <p:cNvPr id="7" name="Rounded Rectangle 6"/>
+          <p:cNvSpPr/>
+          <p:nvPr/>
+        </p:nvSpPr>
+        <p:spPr>
+          <a:xfrm>
+            <a:off x="6358020" y="2591268"/>
+            <a:ext cx="1280783" cy="1274085"/>
+          </a:xfrm>
+          <a:prstGeom prst="roundRect">
+            <a:avLst/>
+          </a:prstGeom>
+          <a:noFill/>
+          <a:ln w="38100">
+            <a:solidFill>
+              <a:srgbClr xmlns:mc="http://schemas.openxmlformats.org/markup-compatibility/2006" xmlns:a14="http://schemas.microsoft.com/office/drawing/2010/main" val="FF0000" mc:Ignorable=""/>
+            </a:solidFill>
+          </a:ln>
+        </p:spPr>
+        <p:style>
+          <a:lnRef idx="2">
+            <a:schemeClr val="accent1">
+              <a:shade val="50000"/>
+            </a:schemeClr>
+          </a:lnRef>
+          <a:fillRef idx="1">
+            <a:schemeClr val="accent1"/>
+          </a:fillRef>
+          <a:effectRef idx="0">
+            <a:schemeClr val="accent1"/>
+          </a:effectRef>
+          <a:fontRef idx="minor">
+            <a:schemeClr val="lt1"/>
+          </a:fontRef>
+        </p:style>
+        <p:txBody>
+          <a:bodyPr rtlCol="0" anchor="ctr"/>
+          <a:lstStyle/>
+          <a:p>
+            <a:pPr algn="ctr"/>
+            <a:endParaRPr lang="zh-TW" altLang="en-US"/>
+          </a:p>
+        </p:txBody>
+      </p:sp>
+      <p:sp>
+        <p:nvSpPr>
+          <p:cNvPr id="5" name="TextBox 4"/>
+          <p:cNvSpPr txBox="1"/>
+          <p:nvPr/>
+        </p:nvSpPr>
+        <p:spPr>
+          <a:xfrm>
+            <a:off x="5876225" y="2179607"/>
+            <a:ext cx="1288063" cy="307777"/>
+          </a:xfrm>
+          <a:prstGeom prst="rect">
+            <a:avLst/>
+          </a:prstGeom>
+          <a:solidFill>
+            <a:schemeClr val="bg1"/>
+          </a:solidFill>
+        </p:spPr>
+        <p:txBody>
+          <a:bodyPr wrap="square" rtlCol="0">
+            <a:spAutoFit/>
+          </a:bodyPr>
+          <a:lstStyle/>
+          <a:p>
+            <a:r>
+              <a:rPr lang="en-US" altLang="zh-TW" sz="1400" dirty="0" smtClean="0"/>
+              <a:t>Color Picker</a:t>
+            </a:r>
+            <a:endParaRPr lang="zh-TW" altLang="en-US" sz="1400" dirty="0"/>
+          </a:p>
+        </p:txBody>
+      </p:sp>
+      <p:pic>
+        <p:nvPicPr>
+          <p:cNvPr id="1027" name="Picture 3"/>
+          <p:cNvPicPr>
+            <a:picLocks noChangeAspect="1" noChangeArrowheads="1"/>
+          </p:cNvPicPr>
+          <p:nvPr/>
+        </p:nvPicPr>
+        <p:blipFill>
+          <a:blip r:embed="rId3">
+            <a:extLst>
+              <a:ext uri="{28A0092B-C50C-407E-A947-70E740481C1C}">
+                <a14:useLocalDpi xmlns:a14="http://schemas.microsoft.com/office/drawing/2010/main" val="0"/>
+              </a:ext>
+            </a:extLst>
+          </a:blip>
+          <a:srcRect/>
+          <a:stretch>
+            <a:fillRect/>
+          </a:stretch>
+        </p:blipFill>
+        <p:spPr bwMode="auto">
+          <a:xfrm>
+            <a:off x="5314357" y="4005064"/>
+            <a:ext cx="3829643" cy="2776073"/>
+          </a:xfrm>
+          <a:prstGeom prst="rect">
+            <a:avLst/>
+          </a:prstGeom>
+          <a:noFill/>
+          <a:ln>
+            <a:noFill/>
+          </a:ln>
+          <a:effectLst/>
+          <a:extLst>
+            <a:ext uri="{909E8E84-426E-40DD-AFC4-6F175D3DCCD1}">
+              <a14:hiddenFill xmlns:a14="http://schemas.microsoft.com/office/drawing/2010/main">
+                <a:solidFill>
+                  <a:schemeClr val="accent1"/>
+                </a:solidFill>
+              </a14:hiddenFill>
+            </a:ext>
+            <a:ext uri="{91240B29-F687-4F45-9708-019B960494DF}">
+              <a14:hiddenLine xmlns:a14="http://schemas.microsoft.com/office/drawing/2010/main" w="9525">
+                <a:solidFill>
+                  <a:schemeClr val="tx1"/>
+                </a:solidFill>
+                <a:miter lim="800000"/>
+                <a:headEnd/>
+                <a:tailEnd/>
+              </a14:hiddenLine>
+            </a:ext>
+            <a:ext uri="{AF507438-7753-43E0-B8FC-AC1667EBCBE1}">
+              <a14:hiddenEffects xmlns:a14="http://schemas.microsoft.com/office/drawing/2010/main">
+                <a:effectLst>
+                  <a:outerShdw dist="35921" dir="2700000" algn="ctr" rotWithShape="0">
+                    <a:schemeClr val="bg2"/>
+                  </a:outerShdw>
+                </a:effectLst>
+              </a14:hiddenEffects>
+            </a:ext>
+          </a:extLst>
+        </p:spPr>
+      </p:pic>
+      <p:sp>
+        <p:nvSpPr>
+          <p:cNvPr id="14" name="Rounded Rectangle 13"/>
+          <p:cNvSpPr/>
+          <p:nvPr/>
+        </p:nvSpPr>
+        <p:spPr>
+          <a:xfrm>
+            <a:off x="5338138" y="5582454"/>
+            <a:ext cx="2834262" cy="1274085"/>
+          </a:xfrm>
+          <a:prstGeom prst="roundRect">
+            <a:avLst/>
+          </a:prstGeom>
+          <a:noFill/>
+          <a:ln w="38100">
+            <a:solidFill>
+              <a:srgbClr xmlns:mc="http://schemas.openxmlformats.org/markup-compatibility/2006" xmlns:a14="http://schemas.microsoft.com/office/drawing/2010/main" val="FF0000" mc:Ignorable=""/>
+            </a:solidFill>
+          </a:ln>
+        </p:spPr>
+        <p:style>
+          <a:lnRef idx="2">
+            <a:schemeClr val="accent1">
+              <a:shade val="50000"/>
+            </a:schemeClr>
+          </a:lnRef>
+          <a:fillRef idx="1">
+            <a:schemeClr val="accent1"/>
+          </a:fillRef>
+          <a:effectRef idx="0">
+            <a:schemeClr val="accent1"/>
+          </a:effectRef>
+          <a:fontRef idx="minor">
+            <a:schemeClr val="lt1"/>
+          </a:fontRef>
+        </p:style>
+        <p:txBody>
+          <a:bodyPr rtlCol="0" anchor="ctr"/>
+          <a:lstStyle/>
+          <a:p>
+            <a:pPr algn="ctr"/>
+            <a:endParaRPr lang="zh-TW" altLang="en-US"/>
+          </a:p>
+        </p:txBody>
+      </p:sp>
+      <p:sp>
+        <p:nvSpPr>
+          <p:cNvPr id="15" name="Rounded Rectangle 14"/>
+          <p:cNvSpPr/>
+          <p:nvPr/>
+        </p:nvSpPr>
+        <p:spPr>
+          <a:xfrm>
+            <a:off x="6719557" y="4237894"/>
+            <a:ext cx="1452843" cy="1274085"/>
+          </a:xfrm>
+          <a:prstGeom prst="roundRect">
+            <a:avLst/>
+          </a:prstGeom>
+          <a:noFill/>
+          <a:ln w="38100">
+            <a:solidFill>
+              <a:srgbClr xmlns:mc="http://schemas.openxmlformats.org/markup-compatibility/2006" xmlns:a14="http://schemas.microsoft.com/office/drawing/2010/main" val="FF0000" mc:Ignorable=""/>
+            </a:solidFill>
+          </a:ln>
+        </p:spPr>
+        <p:style>
+          <a:lnRef idx="2">
+            <a:schemeClr val="accent1">
+              <a:shade val="50000"/>
+            </a:schemeClr>
+          </a:lnRef>
+          <a:fillRef idx="1">
+            <a:schemeClr val="accent1"/>
+          </a:fillRef>
+          <a:effectRef idx="0">
+            <a:schemeClr val="accent1"/>
+          </a:effectRef>
+          <a:fontRef idx="minor">
+            <a:schemeClr val="lt1"/>
+          </a:fontRef>
+        </p:style>
+        <p:txBody>
+          <a:bodyPr rtlCol="0" anchor="ctr"/>
+          <a:lstStyle/>
+          <a:p>
+            <a:pPr algn="ctr"/>
+            <a:endParaRPr lang="zh-TW" altLang="en-US"/>
+          </a:p>
+        </p:txBody>
+      </p:sp>
+      <p:sp>
+        <p:nvSpPr>
+          <p:cNvPr id="17" name="Right Arrow 16"/>
+          <p:cNvSpPr/>
+          <p:nvPr/>
+        </p:nvSpPr>
+        <p:spPr>
+          <a:xfrm rot="5400000">
+            <a:off x="6019557" y="3446853"/>
+            <a:ext cx="2664296" cy="345246"/>
+          </a:xfrm>
+          <a:prstGeom prst="rightArrow">
+            <a:avLst/>
+          </a:prstGeom>
+        </p:spPr>
+        <p:style>
+          <a:lnRef idx="2">
+            <a:schemeClr val="accent1">
+              <a:shade val="50000"/>
+            </a:schemeClr>
+          </a:lnRef>
+          <a:fillRef idx="1">
+            <a:schemeClr val="accent1"/>
+          </a:fillRef>
+          <a:effectRef idx="0">
+            <a:schemeClr val="accent1"/>
+          </a:effectRef>
+          <a:fontRef idx="minor">
+            <a:schemeClr val="lt1"/>
+          </a:fontRef>
+        </p:style>
+        <p:txBody>
+          <a:bodyPr rtlCol="0" anchor="ctr"/>
+          <a:lstStyle/>
+          <a:p>
+            <a:pPr algn="ctr"/>
+            <a:r>
+              <a:rPr lang="en-US" altLang="zh-TW" sz="1400" dirty="0" smtClean="0"/>
+              <a:t>Replace</a:t>
+            </a:r>
+            <a:endParaRPr lang="zh-TW" altLang="en-US" sz="1400" dirty="0"/>
+          </a:p>
+        </p:txBody>
+      </p:sp>
+      <p:sp>
+        <p:nvSpPr>
+          <p:cNvPr id="18" name="Right Arrow 17"/>
+          <p:cNvSpPr/>
+          <p:nvPr/>
+        </p:nvSpPr>
+        <p:spPr>
+          <a:xfrm rot="5400000">
+            <a:off x="5166525" y="4748558"/>
+            <a:ext cx="2664296" cy="345246"/>
+          </a:xfrm>
+          <a:prstGeom prst="rightArrow">
+            <a:avLst/>
+          </a:prstGeom>
+        </p:spPr>
+        <p:style>
+          <a:lnRef idx="2">
+            <a:schemeClr val="accent1">
+              <a:shade val="50000"/>
+            </a:schemeClr>
+          </a:lnRef>
+          <a:fillRef idx="1">
+            <a:schemeClr val="accent1"/>
+          </a:fillRef>
+          <a:effectRef idx="0">
+            <a:schemeClr val="accent1"/>
+          </a:effectRef>
+          <a:fontRef idx="minor">
+            <a:schemeClr val="lt1"/>
+          </a:fontRef>
+        </p:style>
+        <p:txBody>
+          <a:bodyPr rtlCol="0" anchor="ctr"/>
+          <a:lstStyle/>
+          <a:p>
+            <a:pPr algn="ctr"/>
+            <a:r>
+              <a:rPr lang="en-US" altLang="zh-TW" sz="1400" dirty="0" smtClean="0"/>
+              <a:t>Replace</a:t>
+            </a:r>
+            <a:endParaRPr lang="zh-TW" altLang="en-US" sz="1400" dirty="0"/>
+          </a:p>
+        </p:txBody>
+      </p:sp>
+      <p:sp>
+        <p:nvSpPr>
+          <p:cNvPr id="10" name="TextBox 9"/>
+          <p:cNvSpPr txBox="1"/>
+          <p:nvPr/>
+        </p:nvSpPr>
+        <p:spPr>
+          <a:xfrm>
+            <a:off x="5976331" y="3497220"/>
+            <a:ext cx="1254092" cy="307777"/>
+          </a:xfrm>
+          <a:prstGeom prst="rect">
+            <a:avLst/>
+          </a:prstGeom>
+          <a:solidFill>
+            <a:schemeClr val="bg1"/>
+          </a:solidFill>
+        </p:spPr>
+        <p:txBody>
+          <a:bodyPr wrap="square" rtlCol="0">
+            <a:spAutoFit/>
+          </a:bodyPr>
+          <a:lstStyle/>
+          <a:p>
+            <a:r>
+              <a:rPr lang="en-US" altLang="zh-TW" sz="1400" dirty="0" smtClean="0"/>
+              <a:t>Color Adjust</a:t>
+            </a:r>
+            <a:endParaRPr lang="zh-TW" altLang="en-US" sz="1400" dirty="0"/>
+          </a:p>
+        </p:txBody>
+      </p:sp>
+    </p:spTree>
+    <p:extLst>
+      <p:ext uri="{BB962C8B-B14F-4D97-AF65-F5344CB8AC3E}">
+        <p14:creationId xmlns:p14="http://schemas.microsoft.com/office/powerpoint/2010/main" val="4218624305"/>
+      </p:ext>
+    </p:extLst>
+  </p:cSld>
+  <p:clrMapOvr>
+    <a:masterClrMapping/>
+  </p:clrMapOvr>
+</p:sld>
+</file>
+
+<file path=ppt/slides/slide6.xml><?xml version="1.0" encoding="utf-8"?>
+<p:sld xmlns:a="http://schemas.openxmlformats.org/drawingml/2006/main" xmlns:r="http://schemas.openxmlformats.org/officeDocument/2006/relationships" xmlns:p="http://schemas.openxmlformats.org/presentationml/2006/main">
+  <p:cSld>
+    <p:spTree>
+      <p:nvGrpSpPr>
+        <p:cNvPr id="1" name=""/>
+        <p:cNvGrpSpPr/>
+        <p:nvPr/>
+      </p:nvGrpSpPr>
+      <p:grpSpPr>
+        <a:xfrm>
+          <a:off x="0" y="0"/>
+          <a:ext cx="0" cy="0"/>
+          <a:chOff x="0" y="0"/>
+          <a:chExt cx="0" cy="0"/>
+        </a:xfrm>
+      </p:grpSpPr>
+      <p:sp>
+        <p:nvSpPr>
+          <p:cNvPr id="2061" name="Rounded Rectangle 2060"/>
+          <p:cNvSpPr/>
+          <p:nvPr/>
+        </p:nvSpPr>
+        <p:spPr>
+          <a:xfrm>
+            <a:off x="176630" y="3429000"/>
+            <a:ext cx="3747298" cy="3429000"/>
+          </a:xfrm>
+          <a:prstGeom prst="roundRect">
+            <a:avLst/>
+          </a:prstGeom>
+          <a:solidFill>
+            <a:srgbClr xmlns:mc="http://schemas.openxmlformats.org/markup-compatibility/2006" xmlns:a14="http://schemas.microsoft.com/office/drawing/2010/main" val="CCFFCC" mc:Ignorable=""/>
+          </a:solidFill>
+        </p:spPr>
+        <p:style>
+          <a:lnRef idx="2">
+            <a:schemeClr val="accent1">
+              <a:shade val="50000"/>
+            </a:schemeClr>
+          </a:lnRef>
+          <a:fillRef idx="1">
+            <a:schemeClr val="accent1"/>
+          </a:fillRef>
+          <a:effectRef idx="0">
+            <a:schemeClr val="accent1"/>
+          </a:effectRef>
+          <a:fontRef idx="minor">
+            <a:schemeClr val="lt1"/>
+          </a:fontRef>
+        </p:style>
+        <p:txBody>
+          <a:bodyPr rtlCol="0" anchor="ctr"/>
+          <a:lstStyle/>
+          <a:p>
+            <a:pPr algn="ctr"/>
+            <a:endParaRPr lang="zh-TW" altLang="en-US"/>
+          </a:p>
+        </p:txBody>
+      </p:sp>
+      <p:sp>
+        <p:nvSpPr>
+          <p:cNvPr id="27" name="Rounded Rectangle 26"/>
+          <p:cNvSpPr/>
+          <p:nvPr/>
+        </p:nvSpPr>
+        <p:spPr>
+          <a:xfrm>
+            <a:off x="1763689" y="3567292"/>
+            <a:ext cx="3744416" cy="1426139"/>
+          </a:xfrm>
+          <a:prstGeom prst="roundRect">
+            <a:avLst/>
+          </a:prstGeom>
+        </p:spPr>
+        <p:style>
+          <a:lnRef idx="2">
+            <a:schemeClr val="accent1">
+              <a:shade val="50000"/>
+            </a:schemeClr>
+          </a:lnRef>
+          <a:fillRef idx="1">
+            <a:schemeClr val="accent1"/>
+          </a:fillRef>
+          <a:effectRef idx="0">
+            <a:schemeClr val="accent1"/>
+          </a:effectRef>
+          <a:fontRef idx="minor">
+            <a:schemeClr val="lt1"/>
+          </a:fontRef>
+        </p:style>
+        <p:txBody>
+          <a:bodyPr rtlCol="0" anchor="ctr"/>
+          <a:lstStyle/>
+          <a:p>
+            <a:pPr algn="ctr"/>
+            <a:endParaRPr lang="zh-TW" altLang="en-US"/>
+          </a:p>
+        </p:txBody>
+      </p:sp>
+      <p:sp>
+        <p:nvSpPr>
+          <p:cNvPr id="2" name="Title 1"/>
+          <p:cNvSpPr>
+            <a:spLocks noGrp="1"/>
+          </p:cNvSpPr>
+          <p:nvPr>
+            <p:ph type="title"/>
+          </p:nvPr>
+        </p:nvSpPr>
+        <p:spPr/>
+        <p:txBody>
+          <a:bodyPr/>
+          <a:lstStyle/>
+          <a:p>
+            <a:r>
+              <a:rPr lang="en-US" altLang="zh-TW" dirty="0"/>
+              <a:t>UI</a:t>
+            </a:r>
+            <a:r>
+              <a:rPr lang="zh-TW" altLang="en-US" dirty="0"/>
+              <a:t>移植</a:t>
             </a:r>
             <a:endParaRPr lang="zh-TW" altLang="en-US" dirty="0"/>
           </a:p>
@@ -9546,8 +10406,8 @@
         </p:nvSpPr>
         <p:spPr>
           <a:xfrm>
-            <a:off x="250825" y="981075"/>
-            <a:ext cx="5545311" cy="5472113"/>
+            <a:off x="250826" y="981075"/>
+            <a:ext cx="5257280" cy="5472113"/>
           </a:xfrm>
         </p:spPr>
         <p:txBody>
@@ -9555,95 +10415,16 @@
           <a:lstStyle/>
           <a:p>
             <a:r>
-              <a:rPr lang="zh-TW" altLang="en-US" dirty="0" smtClean="0"/>
-              <a:t>使用</a:t>
-            </a:r>
-            <a:r>
-              <a:rPr lang="en-US" altLang="zh-TW" dirty="0" err="1" smtClean="0"/>
-              <a:t>TFrame</a:t>
-            </a:r>
-            <a:r>
-              <a:rPr lang="zh-TW" altLang="en-US" dirty="0" smtClean="0"/>
-              <a:t>的好處</a:t>
-            </a:r>
-            <a:endParaRPr lang="en-US" altLang="zh-TW" dirty="0" smtClean="0"/>
-          </a:p>
-          <a:p>
-            <a:pPr lvl="1"/>
-            <a:r>
-              <a:rPr lang="zh-TW" altLang="en-US" dirty="0"/>
-              <a:t>節省系統資源。</a:t>
-            </a:r>
-            <a:endParaRPr lang="en-US" altLang="zh-TW" dirty="0" smtClean="0"/>
-          </a:p>
-          <a:p>
-            <a:pPr lvl="1"/>
-            <a:r>
-              <a:rPr lang="zh-TW" altLang="en-US" dirty="0"/>
-              <a:t>建立可重複使用的物件，就如同視覺化繼承一個 </a:t>
-            </a:r>
-            <a:r>
-              <a:rPr lang="en-US" altLang="zh-TW" dirty="0" err="1"/>
-              <a:t>TForm</a:t>
-            </a:r>
-            <a:r>
-              <a:rPr lang="en-US" altLang="zh-TW" dirty="0"/>
-              <a:t> </a:t>
-            </a:r>
-            <a:r>
-              <a:rPr lang="zh-TW" altLang="en-US" dirty="0"/>
-              <a:t>一樣</a:t>
-            </a:r>
-            <a:r>
-              <a:rPr lang="zh-TW" altLang="en-US" dirty="0" smtClean="0"/>
-              <a:t>。</a:t>
-            </a:r>
-            <a:endParaRPr lang="en-US" altLang="zh-TW" dirty="0" smtClean="0"/>
-          </a:p>
-          <a:p>
-            <a:pPr lvl="1"/>
-            <a:r>
-              <a:rPr lang="zh-TW" altLang="en-US" dirty="0" smtClean="0"/>
-              <a:t>使</a:t>
-            </a:r>
-            <a:r>
-              <a:rPr lang="en-US" altLang="zh-TW" dirty="0" smtClean="0"/>
-              <a:t>C3D</a:t>
-            </a:r>
-            <a:r>
-              <a:rPr lang="zh-TW" altLang="en-US" dirty="0" smtClean="0"/>
-              <a:t>與</a:t>
-            </a:r>
-            <a:r>
-              <a:rPr lang="en-US" altLang="zh-TW" dirty="0" smtClean="0"/>
-              <a:t>HUE</a:t>
-            </a:r>
-            <a:r>
-              <a:rPr lang="zh-TW" altLang="en-US" dirty="0" smtClean="0"/>
-              <a:t>可</a:t>
-            </a:r>
-            <a:r>
-              <a:rPr lang="zh-TW" altLang="en-US" dirty="0"/>
-              <a:t>共用</a:t>
-            </a:r>
-            <a:r>
-              <a:rPr lang="en-US" altLang="zh-TW" dirty="0"/>
-              <a:t>UI</a:t>
-            </a:r>
-            <a:r>
-              <a:rPr lang="zh-TW" altLang="en-US" dirty="0" smtClean="0"/>
-              <a:t>。</a:t>
-            </a:r>
-            <a:endParaRPr lang="en-US" altLang="zh-TW" dirty="0" smtClean="0"/>
-          </a:p>
-          <a:p>
-            <a:r>
               <a:rPr lang="en-US" altLang="zh-TW" dirty="0" smtClean="0"/>
               <a:t>UI</a:t>
             </a:r>
             <a:r>
               <a:rPr lang="zh-TW" altLang="en-US" dirty="0" smtClean="0"/>
-              <a:t>的移植過程</a:t>
+              <a:t>的移</a:t>
+            </a:r>
+            <a:r>
+              <a:rPr lang="zh-TW" altLang="en-US" dirty="0" smtClean="0"/>
+              <a:t>植過程</a:t>
             </a:r>
             <a:endParaRPr lang="en-US" altLang="zh-TW" dirty="0" smtClean="0"/>
           </a:p>
@@ -9662,7 +10443,15 @@
             </a:r>
             <a:r>
               <a:rPr lang="zh-TW" altLang="en-US" dirty="0" smtClean="0"/>
-              <a:t>內的元件組合獨立成為</a:t>
+              <a:t>內</a:t>
+            </a:r>
+            <a:r>
+              <a:rPr lang="zh-TW" altLang="en-US" dirty="0" smtClean="0"/>
+              <a:t>的部分元</a:t>
+            </a:r>
+            <a:r>
+              <a:rPr lang="zh-TW" altLang="en-US" dirty="0" smtClean="0"/>
+              <a:t>件組合獨立成為</a:t>
             </a:r>
             <a:r>
               <a:rPr lang="en-US" altLang="zh-TW" dirty="0" err="1" smtClean="0"/>
@@ -9685,7 +10474,15 @@
             </a:r>
             <a:r>
               <a:rPr lang="zh-TW" altLang="en-US" dirty="0" smtClean="0"/>
-              <a:t>的事件處理中</a:t>
+              <a:t>的事件處理</a:t>
+            </a:r>
+            <a:r>
+              <a:rPr lang="zh-TW" altLang="en-US" dirty="0" smtClean="0"/>
+              <a:t>中</a:t>
+            </a:r>
+            <a:r>
+              <a:rPr lang="en-US" altLang="zh-TW" dirty="0" smtClean="0"/>
+              <a:t>:</a:t>
             </a:r>
             <a:endParaRPr lang="en-US" altLang="zh-TW" dirty="0"/>
           </a:p>
@@ -9757,7 +10554,23 @@
             </a:r>
             <a:r>
               <a:rPr lang="zh-TW" altLang="en-US" dirty="0" smtClean="0"/>
-              <a:t>以事件監聽方式處理</a:t>
+              <a:t>以事件監</a:t>
+            </a:r>
+            <a:r>
+              <a:rPr lang="zh-TW" altLang="en-US" dirty="0" smtClean="0"/>
+              <a:t>聽</a:t>
+            </a:r>
+            <a:r>
+              <a:rPr lang="en-US" altLang="zh-TW" dirty="0" smtClean="0"/>
+              <a:t>(Listener)</a:t>
+            </a:r>
+            <a:r>
+              <a:rPr lang="zh-TW" altLang="en-US" dirty="0" smtClean="0"/>
+              <a:t>處</a:t>
+            </a:r>
+            <a:r>
+              <a:rPr lang="zh-TW" altLang="en-US" dirty="0" smtClean="0"/>
+              <a:t>理</a:t>
             </a:r>
             <a:r>
               <a:rPr lang="en-US" altLang="zh-TW" dirty="0" smtClean="0"/>
@@ -9765,7 +10578,35 @@
             </a:r>
             <a:r>
               <a:rPr lang="zh-TW" altLang="en-US" dirty="0" smtClean="0"/>
-              <a:t>降低耦合性</a:t>
+              <a:t>降</a:t>
+            </a:r>
+            <a:r>
+              <a:rPr lang="zh-TW" altLang="en-US" dirty="0" smtClean="0"/>
+              <a:t>低</a:t>
+            </a:r>
+            <a:r>
+              <a:rPr lang="en-US" altLang="zh-TW" dirty="0" smtClean="0"/>
+              <a:t>UI</a:t>
+            </a:r>
+            <a:r>
+              <a:rPr lang="zh-TW" altLang="en-US" dirty="0" smtClean="0"/>
+              <a:t>與</a:t>
+            </a:r>
+            <a:r>
+              <a:rPr lang="en-US" altLang="zh-TW" dirty="0" smtClean="0"/>
+              <a:t>Logic</a:t>
+            </a:r>
+            <a:r>
+              <a:rPr lang="zh-TW" altLang="en-US" dirty="0" smtClean="0"/>
+              <a:t>的</a:t>
+            </a:r>
+            <a:r>
+              <a:rPr lang="zh-TW" altLang="en-US" dirty="0" smtClean="0"/>
+              <a:t>耦</a:t>
+            </a:r>
+            <a:r>
+              <a:rPr lang="zh-TW" altLang="en-US" dirty="0" smtClean="0"/>
+              <a:t>合性</a:t>
             </a:r>
             <a:endParaRPr lang="en-US" altLang="zh-TW" dirty="0" smtClean="0"/>
           </a:p>
@@ -9789,7 +10630,35 @@
             </a:r>
             <a:r>
               <a:rPr lang="zh-TW" altLang="en-US" dirty="0"/>
-              <a:t>模式</a:t>
+              <a:t>模</a:t>
+            </a:r>
+            <a:r>
+              <a:rPr lang="zh-TW" altLang="en-US" dirty="0" smtClean="0"/>
+              <a:t>式</a:t>
+            </a:r>
+            <a:r>
+              <a:rPr lang="en-US" altLang="zh-TW" dirty="0" smtClean="0"/>
+              <a:t>(</a:t>
+            </a:r>
+            <a:r>
+              <a:rPr lang="zh-TW" altLang="en-US" dirty="0"/>
+              <a:t>因</a:t>
+            </a:r>
+            <a:r>
+              <a:rPr lang="zh-TW" altLang="en-US" dirty="0" smtClean="0"/>
+              <a:t>耦合性高</a:t>
+            </a:r>
+            <a:r>
+              <a:rPr lang="en-US" altLang="zh-TW" dirty="0" smtClean="0"/>
+              <a:t>, </a:t>
+            </a:r>
+            <a:r>
+              <a:rPr lang="zh-TW" altLang="en-US" dirty="0" smtClean="0"/>
+              <a:t>部份元件無法達成</a:t>
+            </a:r>
+            <a:r>
+              <a:rPr lang="en-US" altLang="zh-TW" dirty="0" smtClean="0"/>
+              <a:t>)</a:t>
             </a:r>
             <a:endParaRPr lang="en-US" altLang="zh-TW" dirty="0"/>
           </a:p>
@@ -9994,78 +10863,649 @@
           </p:txBody>
         </p:sp>
       </p:grpSp>
-    </p:spTree>
-    <p:extLst>
-      <p:ext uri="{BB962C8B-B14F-4D97-AF65-F5344CB8AC3E}">
-        <p14:creationId xmlns:p14="http://schemas.microsoft.com/office/powerpoint/2010/main" val="447405819"/>
-      </p:ext>
-    </p:extLst>
-  </p:cSld>
-  <p:clrMapOvr>
-    <a:masterClrMapping/>
-  </p:clrMapOvr>
-</p:sld>
-</file>
-
-<file path=ppt/slides/slide6.xml><?xml version="1.0" encoding="utf-8"?>
-<p:sld xmlns:a="http://schemas.openxmlformats.org/drawingml/2006/main" xmlns:r="http://schemas.openxmlformats.org/officeDocument/2006/relationships" xmlns:p="http://schemas.openxmlformats.org/presentationml/2006/main">
-  <p:cSld>
-    <p:spTree>
-      <p:nvGrpSpPr>
-        <p:cNvPr id="1" name=""/>
-        <p:cNvGrpSpPr/>
-        <p:nvPr/>
-      </p:nvGrpSpPr>
-      <p:grpSpPr>
-        <a:xfrm>
-          <a:off x="0" y="0"/>
-          <a:ext cx="0" cy="0"/>
-          <a:chOff x="0" y="0"/>
-          <a:chExt cx="0" cy="0"/>
-        </a:xfrm>
-      </p:grpSpPr>
+      <p:pic>
+        <p:nvPicPr>
+          <p:cNvPr id="2052" name="Picture 4"/>
+          <p:cNvPicPr>
+            <a:picLocks noChangeAspect="1" noChangeArrowheads="1"/>
+          </p:cNvPicPr>
+          <p:nvPr/>
+        </p:nvPicPr>
+        <p:blipFill>
+          <a:blip r:embed="rId3" cstate="print">
+            <a:extLst>
+              <a:ext uri="{28A0092B-C50C-407E-A947-70E740481C1C}">
+                <a14:useLocalDpi xmlns:a14="http://schemas.microsoft.com/office/drawing/2010/main" val="0"/>
+              </a:ext>
+            </a:extLst>
+          </a:blip>
+          <a:srcRect/>
+          <a:stretch>
+            <a:fillRect/>
+          </a:stretch>
+        </p:blipFill>
+        <p:spPr bwMode="auto">
+          <a:xfrm>
+            <a:off x="1860744" y="3567292"/>
+            <a:ext cx="1762002" cy="1368152"/>
+          </a:xfrm>
+          <a:prstGeom prst="rect">
+            <a:avLst/>
+          </a:prstGeom>
+          <a:noFill/>
+          <a:ln>
+            <a:noFill/>
+          </a:ln>
+          <a:effectLst/>
+          <a:extLst>
+            <a:ext uri="{909E8E84-426E-40DD-AFC4-6F175D3DCCD1}">
+              <a14:hiddenFill xmlns:a14="http://schemas.microsoft.com/office/drawing/2010/main">
+                <a:solidFill>
+                  <a:schemeClr val="accent1"/>
+                </a:solidFill>
+              </a14:hiddenFill>
+            </a:ext>
+            <a:ext uri="{91240B29-F687-4F45-9708-019B960494DF}">
+              <a14:hiddenLine xmlns:a14="http://schemas.microsoft.com/office/drawing/2010/main" w="9525">
+                <a:solidFill>
+                  <a:schemeClr val="tx1"/>
+                </a:solidFill>
+                <a:miter lim="800000"/>
+                <a:headEnd/>
+                <a:tailEnd/>
+              </a14:hiddenLine>
+            </a:ext>
+            <a:ext uri="{AF507438-7753-43E0-B8FC-AC1667EBCBE1}">
+              <a14:hiddenEffects xmlns:a14="http://schemas.microsoft.com/office/drawing/2010/main">
+                <a:effectLst>
+                  <a:outerShdw dist="35921" dir="2700000" algn="ctr" rotWithShape="0">
+                    <a:schemeClr val="bg2"/>
+                  </a:outerShdw>
+                </a:effectLst>
+              </a14:hiddenEffects>
+            </a:ext>
+          </a:extLst>
+        </p:spPr>
+      </p:pic>
+      <p:pic>
+        <p:nvPicPr>
+          <p:cNvPr id="2053" name="Picture 5"/>
+          <p:cNvPicPr>
+            <a:picLocks noChangeAspect="1" noChangeArrowheads="1"/>
+          </p:cNvPicPr>
+          <p:nvPr/>
+        </p:nvPicPr>
+        <p:blipFill>
+          <a:blip r:embed="rId4">
+            <a:extLst>
+              <a:ext uri="{28A0092B-C50C-407E-A947-70E740481C1C}">
+                <a14:useLocalDpi xmlns:a14="http://schemas.microsoft.com/office/drawing/2010/main" val="0"/>
+              </a:ext>
+            </a:extLst>
+          </a:blip>
+          <a:srcRect/>
+          <a:stretch>
+            <a:fillRect/>
+          </a:stretch>
+        </p:blipFill>
+        <p:spPr bwMode="auto">
+          <a:xfrm>
+            <a:off x="1940348" y="5352629"/>
+            <a:ext cx="1800200" cy="1480953"/>
+          </a:xfrm>
+          <a:prstGeom prst="rect">
+            <a:avLst/>
+          </a:prstGeom>
+          <a:noFill/>
+          <a:ln>
+            <a:noFill/>
+          </a:ln>
+          <a:effectLst/>
+          <a:extLst>
+            <a:ext uri="{909E8E84-426E-40DD-AFC4-6F175D3DCCD1}">
+              <a14:hiddenFill xmlns:a14="http://schemas.microsoft.com/office/drawing/2010/main">
+                <a:solidFill>
+                  <a:schemeClr val="accent1"/>
+                </a:solidFill>
+              </a14:hiddenFill>
+            </a:ext>
+            <a:ext uri="{91240B29-F687-4F45-9708-019B960494DF}">
+              <a14:hiddenLine xmlns:a14="http://schemas.microsoft.com/office/drawing/2010/main" w="9525">
+                <a:solidFill>
+                  <a:schemeClr val="tx1"/>
+                </a:solidFill>
+                <a:miter lim="800000"/>
+                <a:headEnd/>
+                <a:tailEnd/>
+              </a14:hiddenLine>
+            </a:ext>
+            <a:ext uri="{AF507438-7753-43E0-B8FC-AC1667EBCBE1}">
+              <a14:hiddenEffects xmlns:a14="http://schemas.microsoft.com/office/drawing/2010/main">
+                <a:effectLst>
+                  <a:outerShdw dist="35921" dir="2700000" algn="ctr" rotWithShape="0">
+                    <a:schemeClr val="bg2"/>
+                  </a:outerShdw>
+                </a:effectLst>
+              </a14:hiddenEffects>
+            </a:ext>
+          </a:extLst>
+        </p:spPr>
+      </p:pic>
       <p:sp>
         <p:nvSpPr>
-          <p:cNvPr id="2" name="Title 1"/>
-          <p:cNvSpPr>
-            <a:spLocks noGrp="1"/>
-          </p:cNvSpPr>
-          <p:nvPr>
-            <p:ph type="title"/>
-          </p:nvPr>
+          <p:cNvPr id="9" name="TextBox 8"/>
+          <p:cNvSpPr txBox="1"/>
+          <p:nvPr/>
         </p:nvSpPr>
-        <p:spPr/>
+        <p:spPr>
+          <a:xfrm>
+            <a:off x="176630" y="5588191"/>
+            <a:ext cx="1484793" cy="369332"/>
+          </a:xfrm>
+          <a:prstGeom prst="rect">
+            <a:avLst/>
+          </a:prstGeom>
+          <a:noFill/>
+        </p:spPr>
         <p:txBody>
-          <a:bodyPr/>
+          <a:bodyPr wrap="square" rtlCol="0">
+            <a:spAutoFit/>
+          </a:bodyPr>
           <a:lstStyle/>
           <a:p>
-            <a:endParaRPr lang="zh-TW" altLang="en-US"/>
+            <a:r>
+              <a:rPr lang="en-US" altLang="zh-TW" dirty="0" err="1"/>
+              <a:t>f</a:t>
+            </a:r>
+            <a:r>
+              <a:rPr lang="en-US" altLang="zh-TW" dirty="0" err="1" smtClean="0"/>
+              <a:t>unc</a:t>
+            </a:r>
+            <a:r>
+              <a:rPr lang="en-US" altLang="zh-TW" dirty="0" smtClean="0"/>
+              <a:t>() {....}</a:t>
+            </a:r>
+            <a:endParaRPr lang="zh-TW" altLang="en-US" dirty="0"/>
           </a:p>
         </p:txBody>
       </p:sp>
       <p:sp>
         <p:nvSpPr>
-          <p:cNvPr id="3" name="Content Placeholder 2"/>
-          <p:cNvSpPr>
-            <a:spLocks noGrp="1"/>
-          </p:cNvSpPr>
-          <p:nvPr>
-            <p:ph idx="1"/>
-          </p:nvPr>
+          <p:cNvPr id="14" name="Left Arrow 13"/>
+          <p:cNvSpPr/>
+          <p:nvPr/>
         </p:nvSpPr>
-        <p:spPr/>
+        <p:spPr>
+          <a:xfrm>
+            <a:off x="1614398" y="5644569"/>
+            <a:ext cx="924744" cy="291678"/>
+          </a:xfrm>
+          <a:prstGeom prst="leftArrow">
+            <a:avLst/>
+          </a:prstGeom>
+        </p:spPr>
+        <p:style>
+          <a:lnRef idx="2">
+            <a:schemeClr val="accent1">
+              <a:shade val="50000"/>
+            </a:schemeClr>
+          </a:lnRef>
+          <a:fillRef idx="1">
+            <a:schemeClr val="accent1"/>
+          </a:fillRef>
+          <a:effectRef idx="0">
+            <a:schemeClr val="accent1"/>
+          </a:effectRef>
+          <a:fontRef idx="minor">
+            <a:schemeClr val="lt1"/>
+          </a:fontRef>
+        </p:style>
         <p:txBody>
-          <a:bodyPr/>
+          <a:bodyPr rtlCol="0" anchor="ctr"/>
           <a:lstStyle/>
           <a:p>
+            <a:pPr algn="ctr"/>
+            <a:r>
+              <a:rPr lang="en-US" altLang="zh-TW" sz="1400" dirty="0" smtClean="0"/>
+              <a:t>handle</a:t>
+            </a:r>
+            <a:endParaRPr lang="zh-TW" altLang="en-US" sz="1400" dirty="0"/>
+          </a:p>
+        </p:txBody>
+      </p:sp>
+      <p:cxnSp>
+        <p:nvCxnSpPr>
+          <p:cNvPr id="16" name="Elbow Connector 15"/>
+          <p:cNvCxnSpPr>
+            <a:stCxn id="9" idx="0"/>
+          </p:cNvCxnSpPr>
+          <p:nvPr/>
+        </p:nvCxnSpPr>
+        <p:spPr>
+          <a:xfrm rot="5400000" flipH="1" flipV="1">
+            <a:off x="955989" y="4423333"/>
+            <a:ext cx="1127896" cy="1201821"/>
+          </a:xfrm>
+          <a:prstGeom prst="bentConnector2">
+            <a:avLst/>
+          </a:prstGeom>
+          <a:ln w="38100">
+            <a:solidFill>
+              <a:srgbClr xmlns:mc="http://schemas.openxmlformats.org/markup-compatibility/2006" xmlns:a14="http://schemas.microsoft.com/office/drawing/2010/main" val="FF0000" mc:Ignorable=""/>
+            </a:solidFill>
+            <a:tailEnd type="arrow"/>
+          </a:ln>
+        </p:spPr>
+        <p:style>
+          <a:lnRef idx="1">
+            <a:schemeClr val="accent1"/>
+          </a:lnRef>
+          <a:fillRef idx="0">
+            <a:schemeClr val="accent1"/>
+          </a:fillRef>
+          <a:effectRef idx="0">
+            <a:schemeClr val="accent1"/>
+          </a:effectRef>
+          <a:fontRef idx="minor">
+            <a:schemeClr val="tx1"/>
+          </a:fontRef>
+        </p:style>
+      </p:cxnSp>
+      <p:sp>
+        <p:nvSpPr>
+          <p:cNvPr id="17" name="TextBox 16"/>
+          <p:cNvSpPr txBox="1"/>
+          <p:nvPr/>
+        </p:nvSpPr>
+        <p:spPr>
+          <a:xfrm>
+            <a:off x="564600" y="4993431"/>
+            <a:ext cx="648072" cy="307777"/>
+          </a:xfrm>
+          <a:prstGeom prst="rect">
+            <a:avLst/>
+          </a:prstGeom>
+          <a:noFill/>
+        </p:spPr>
+        <p:txBody>
+          <a:bodyPr wrap="square" rtlCol="0">
+            <a:spAutoFit/>
+          </a:bodyPr>
+          <a:lstStyle/>
+          <a:p>
+            <a:r>
+              <a:rPr lang="en-US" altLang="zh-TW" sz="1400" dirty="0" smtClean="0"/>
+              <a:t>alter</a:t>
+            </a:r>
+            <a:endParaRPr lang="zh-TW" altLang="en-US" sz="1400" dirty="0"/>
+          </a:p>
+        </p:txBody>
+      </p:sp>
+      <p:cxnSp>
+        <p:nvCxnSpPr>
+          <p:cNvPr id="26" name="Straight Arrow Connector 25"/>
+          <p:cNvCxnSpPr/>
+          <p:nvPr/>
+        </p:nvCxnSpPr>
+        <p:spPr>
+          <a:xfrm flipH="1">
+            <a:off x="3419872" y="4717055"/>
+            <a:ext cx="648072" cy="0"/>
+          </a:xfrm>
+          <a:prstGeom prst="straightConnector1">
+            <a:avLst/>
+          </a:prstGeom>
+          <a:ln w="38100">
+            <a:solidFill>
+              <a:srgbClr xmlns:mc="http://schemas.openxmlformats.org/markup-compatibility/2006" xmlns:a14="http://schemas.microsoft.com/office/drawing/2010/main" val="FF0000" mc:Ignorable=""/>
+            </a:solidFill>
+            <a:tailEnd type="arrow"/>
+          </a:ln>
+        </p:spPr>
+        <p:style>
+          <a:lnRef idx="1">
+            <a:schemeClr val="accent1"/>
+          </a:lnRef>
+          <a:fillRef idx="0">
+            <a:schemeClr val="accent1"/>
+          </a:fillRef>
+          <a:effectRef idx="0">
+            <a:schemeClr val="accent1"/>
+          </a:effectRef>
+          <a:fontRef idx="minor">
+            <a:schemeClr val="tx1"/>
+          </a:fontRef>
+        </p:style>
+      </p:cxnSp>
+      <p:sp>
+        <p:nvSpPr>
+          <p:cNvPr id="32" name="TextBox 31"/>
+          <p:cNvSpPr txBox="1"/>
+          <p:nvPr/>
+        </p:nvSpPr>
+        <p:spPr>
+          <a:xfrm>
+            <a:off x="3539459" y="4358799"/>
+            <a:ext cx="648072" cy="307777"/>
+          </a:xfrm>
+          <a:prstGeom prst="rect">
+            <a:avLst/>
+          </a:prstGeom>
+          <a:noFill/>
+        </p:spPr>
+        <p:txBody>
+          <a:bodyPr wrap="square" rtlCol="0">
+            <a:spAutoFit/>
+          </a:bodyPr>
+          <a:lstStyle/>
+          <a:p>
+            <a:r>
+              <a:rPr lang="en-US" altLang="zh-TW" sz="1400" dirty="0" smtClean="0"/>
+              <a:t>alter</a:t>
+            </a:r>
+            <a:endParaRPr lang="zh-TW" altLang="en-US" sz="1400" dirty="0"/>
+          </a:p>
+        </p:txBody>
+      </p:sp>
+      <p:sp>
+        <p:nvSpPr>
+          <p:cNvPr id="28" name="TextBox 27"/>
+          <p:cNvSpPr txBox="1"/>
+          <p:nvPr/>
+        </p:nvSpPr>
+        <p:spPr>
+          <a:xfrm>
+            <a:off x="3923928" y="3566959"/>
+            <a:ext cx="1387088" cy="369332"/>
+          </a:xfrm>
+          <a:prstGeom prst="rect">
+            <a:avLst/>
+          </a:prstGeom>
+          <a:noFill/>
+        </p:spPr>
+        <p:txBody>
+          <a:bodyPr wrap="square" rtlCol="0">
+            <a:spAutoFit/>
+          </a:bodyPr>
+          <a:lstStyle/>
+          <a:p>
+            <a:r>
+              <a:rPr lang="en-US" altLang="zh-TW" dirty="0" smtClean="0">
+                <a:solidFill>
+                  <a:srgbClr xmlns:mc="http://schemas.openxmlformats.org/markup-compatibility/2006" xmlns:a14="http://schemas.microsoft.com/office/drawing/2010/main" val="FF0000" mc:Ignorable=""/>
+                </a:solidFill>
+              </a:rPr>
+              <a:t>Listener</a:t>
+            </a:r>
+            <a:endParaRPr lang="zh-TW" altLang="en-US" dirty="0">
+              <a:solidFill>
+                <a:srgbClr xmlns:mc="http://schemas.openxmlformats.org/markup-compatibility/2006" xmlns:a14="http://schemas.microsoft.com/office/drawing/2010/main" val="FF0000" mc:Ignorable=""/>
+              </a:solidFill>
+            </a:endParaRPr>
+          </a:p>
+        </p:txBody>
+      </p:sp>
+      <p:cxnSp>
+        <p:nvCxnSpPr>
+          <p:cNvPr id="38" name="Straight Arrow Connector 37"/>
+          <p:cNvCxnSpPr/>
+          <p:nvPr/>
+        </p:nvCxnSpPr>
+        <p:spPr>
+          <a:xfrm>
+            <a:off x="4427984" y="4901721"/>
+            <a:ext cx="0" cy="681874"/>
+          </a:xfrm>
+          <a:prstGeom prst="straightConnector1">
+            <a:avLst/>
+          </a:prstGeom>
+          <a:ln w="38100">
+            <a:solidFill>
+              <a:srgbClr xmlns:mc="http://schemas.openxmlformats.org/markup-compatibility/2006" xmlns:a14="http://schemas.microsoft.com/office/drawing/2010/main" val="FF0000" mc:Ignorable=""/>
+            </a:solidFill>
+            <a:tailEnd type="arrow"/>
+          </a:ln>
+        </p:spPr>
+        <p:style>
+          <a:lnRef idx="1">
+            <a:schemeClr val="accent1"/>
+          </a:lnRef>
+          <a:fillRef idx="0">
+            <a:schemeClr val="accent1"/>
+          </a:fillRef>
+          <a:effectRef idx="0">
+            <a:schemeClr val="accent1"/>
+          </a:effectRef>
+          <a:fontRef idx="minor">
+            <a:schemeClr val="tx1"/>
+          </a:fontRef>
+        </p:style>
+      </p:cxnSp>
+      <p:sp>
+        <p:nvSpPr>
+          <p:cNvPr id="40" name="TextBox 39"/>
+          <p:cNvSpPr txBox="1"/>
+          <p:nvPr/>
+        </p:nvSpPr>
+        <p:spPr>
+          <a:xfrm>
+            <a:off x="3923928" y="4993431"/>
+            <a:ext cx="1052952" cy="307777"/>
+          </a:xfrm>
+          <a:prstGeom prst="rect">
+            <a:avLst/>
+          </a:prstGeom>
+          <a:noFill/>
+        </p:spPr>
+        <p:txBody>
+          <a:bodyPr wrap="square" rtlCol="0">
+            <a:spAutoFit/>
+          </a:bodyPr>
+          <a:lstStyle/>
+          <a:p>
+            <a:r>
+              <a:rPr lang="en-US" altLang="zh-TW" sz="1400" dirty="0" smtClean="0"/>
+              <a:t>register</a:t>
+            </a:r>
+            <a:endParaRPr lang="zh-TW" altLang="en-US" sz="1400" dirty="0"/>
+          </a:p>
+        </p:txBody>
+      </p:sp>
+      <p:sp>
+        <p:nvSpPr>
+          <p:cNvPr id="2049" name="Oval 2048"/>
+          <p:cNvSpPr/>
+          <p:nvPr/>
+        </p:nvSpPr>
+        <p:spPr>
+          <a:xfrm>
+            <a:off x="4272758" y="5691567"/>
+            <a:ext cx="310452" cy="286209"/>
+          </a:xfrm>
+          <a:prstGeom prst="ellipse">
+            <a:avLst/>
+          </a:prstGeom>
+        </p:spPr>
+        <p:style>
+          <a:lnRef idx="2">
+            <a:schemeClr val="accent1">
+              <a:shade val="50000"/>
+            </a:schemeClr>
+          </a:lnRef>
+          <a:fillRef idx="1">
+            <a:schemeClr val="accent1"/>
+          </a:fillRef>
+          <a:effectRef idx="0">
+            <a:schemeClr val="accent1"/>
+          </a:effectRef>
+          <a:fontRef idx="minor">
+            <a:schemeClr val="lt1"/>
+          </a:fontRef>
+        </p:style>
+        <p:txBody>
+          <a:bodyPr rtlCol="0" anchor="ctr"/>
+          <a:lstStyle/>
+          <a:p>
+            <a:pPr algn="ctr"/>
             <a:endParaRPr lang="zh-TW" altLang="en-US"/>
+          </a:p>
+        </p:txBody>
+      </p:sp>
+      <p:cxnSp>
+        <p:nvCxnSpPr>
+          <p:cNvPr id="2056" name="Curved Connector 2055"/>
+          <p:cNvCxnSpPr>
+            <a:stCxn id="2049" idx="7"/>
+            <a:endCxn id="25" idx="2"/>
+          </p:cNvCxnSpPr>
+          <p:nvPr/>
+        </p:nvCxnSpPr>
+        <p:spPr>
+          <a:xfrm rot="5400000" flipH="1" flipV="1">
+            <a:off x="4277660" y="5161806"/>
+            <a:ext cx="831760" cy="311591"/>
+          </a:xfrm>
+          <a:prstGeom prst="curvedConnector3">
+            <a:avLst/>
+          </a:prstGeom>
+          <a:ln w="38100">
+            <a:solidFill>
+              <a:srgbClr xmlns:mc="http://schemas.openxmlformats.org/markup-compatibility/2006" xmlns:a14="http://schemas.microsoft.com/office/drawing/2010/main" val="FF0000" mc:Ignorable=""/>
+            </a:solidFill>
+            <a:tailEnd type="arrow"/>
+          </a:ln>
+        </p:spPr>
+        <p:style>
+          <a:lnRef idx="1">
+            <a:schemeClr val="accent1"/>
+          </a:lnRef>
+          <a:fillRef idx="0">
+            <a:schemeClr val="accent1"/>
+          </a:fillRef>
+          <a:effectRef idx="0">
+            <a:schemeClr val="accent1"/>
+          </a:effectRef>
+          <a:fontRef idx="minor">
+            <a:schemeClr val="tx1"/>
+          </a:fontRef>
+        </p:style>
+      </p:cxnSp>
+      <p:sp>
+        <p:nvSpPr>
+          <p:cNvPr id="20" name="Right Arrow 19"/>
+          <p:cNvSpPr/>
+          <p:nvPr/>
+        </p:nvSpPr>
+        <p:spPr>
+          <a:xfrm>
+            <a:off x="3131840" y="5644568"/>
+            <a:ext cx="1296144" cy="333207"/>
+          </a:xfrm>
+          <a:prstGeom prst="rightArrow">
+            <a:avLst/>
+          </a:prstGeom>
+        </p:spPr>
+        <p:style>
+          <a:lnRef idx="2">
+            <a:schemeClr val="accent1">
+              <a:shade val="50000"/>
+            </a:schemeClr>
+          </a:lnRef>
+          <a:fillRef idx="1">
+            <a:schemeClr val="accent1"/>
+          </a:fillRef>
+          <a:effectRef idx="0">
+            <a:schemeClr val="accent1"/>
+          </a:effectRef>
+          <a:fontRef idx="minor">
+            <a:schemeClr val="lt1"/>
+          </a:fontRef>
+        </p:style>
+        <p:txBody>
+          <a:bodyPr rtlCol="0" anchor="ctr"/>
+          <a:lstStyle/>
+          <a:p>
+            <a:pPr algn="ctr"/>
+            <a:r>
+              <a:rPr lang="en-US" altLang="zh-TW" sz="1400" dirty="0" smtClean="0"/>
+              <a:t>fire</a:t>
+            </a:r>
+            <a:endParaRPr lang="zh-TW" altLang="en-US" sz="1400" dirty="0"/>
+          </a:p>
+        </p:txBody>
+      </p:sp>
+      <p:sp>
+        <p:nvSpPr>
+          <p:cNvPr id="49" name="TextBox 48"/>
+          <p:cNvSpPr txBox="1"/>
+          <p:nvPr/>
+        </p:nvSpPr>
+        <p:spPr>
+          <a:xfrm>
+            <a:off x="314311" y="3627911"/>
+            <a:ext cx="1390741" cy="369332"/>
+          </a:xfrm>
+          <a:prstGeom prst="rect">
+            <a:avLst/>
+          </a:prstGeom>
+          <a:noFill/>
+        </p:spPr>
+        <p:txBody>
+          <a:bodyPr wrap="square" rtlCol="0">
+            <a:spAutoFit/>
+          </a:bodyPr>
+          <a:lstStyle/>
+          <a:p>
+            <a:r>
+              <a:rPr lang="en-US" altLang="zh-TW" dirty="0" smtClean="0">
+                <a:solidFill>
+                  <a:srgbClr xmlns:mc="http://schemas.openxmlformats.org/markup-compatibility/2006" xmlns:a14="http://schemas.microsoft.com/office/drawing/2010/main" val="FF0000" mc:Ignorable=""/>
+                </a:solidFill>
+              </a:rPr>
+              <a:t>Handler</a:t>
+            </a:r>
+            <a:endParaRPr lang="zh-TW" altLang="en-US" dirty="0">
+              <a:solidFill>
+                <a:srgbClr xmlns:mc="http://schemas.openxmlformats.org/markup-compatibility/2006" xmlns:a14="http://schemas.microsoft.com/office/drawing/2010/main" val="FF0000" mc:Ignorable=""/>
+              </a:solidFill>
+            </a:endParaRPr>
+          </a:p>
+        </p:txBody>
+      </p:sp>
+      <p:sp>
+        <p:nvSpPr>
+          <p:cNvPr id="25" name="TextBox 24"/>
+          <p:cNvSpPr txBox="1"/>
+          <p:nvPr/>
+        </p:nvSpPr>
+        <p:spPr>
+          <a:xfrm>
+            <a:off x="4106939" y="4532389"/>
+            <a:ext cx="1484793" cy="369332"/>
+          </a:xfrm>
+          <a:prstGeom prst="rect">
+            <a:avLst/>
+          </a:prstGeom>
+          <a:noFill/>
+        </p:spPr>
+        <p:txBody>
+          <a:bodyPr wrap="square" rtlCol="0">
+            <a:spAutoFit/>
+          </a:bodyPr>
+          <a:lstStyle/>
+          <a:p>
+            <a:r>
+              <a:rPr lang="en-US" altLang="zh-TW" dirty="0" smtClean="0"/>
+              <a:t>listen() {....}</a:t>
+            </a:r>
+            <a:endParaRPr lang="zh-TW" altLang="en-US" dirty="0"/>
           </a:p>
         </p:txBody>
       </p:sp>
     </p:spTree>
     <p:extLst>
       <p:ext uri="{BB962C8B-B14F-4D97-AF65-F5344CB8AC3E}">
-        <p14:creationId xmlns:p14="http://schemas.microsoft.com/office/powerpoint/2010/main" val="3691606113"/>
+        <p14:creationId xmlns:p14="http://schemas.microsoft.com/office/powerpoint/2010/main" val="447405819"/>
       </p:ext>
     </p:extLst>
   </p:cSld>
